--- a/documentations/User Manual.pptx
+++ b/documentations/User Manual.pptx
@@ -280,7 +280,7 @@
           <a:p>
             <a:fld id="{620BF7EF-3469-4616-9127-3750DEE6AB4D}" type="datetimeFigureOut">
               <a:rPr lang="ar-JO" smtClean="0"/>
-              <a:t>28/10/1446</a:t>
+              <a:t>22/11/1446</a:t>
             </a:fld>
             <a:endParaRPr lang="ar-JO"/>
           </a:p>
@@ -480,7 +480,7 @@
           <a:p>
             <a:fld id="{620BF7EF-3469-4616-9127-3750DEE6AB4D}" type="datetimeFigureOut">
               <a:rPr lang="ar-JO" smtClean="0"/>
-              <a:t>28/10/1446</a:t>
+              <a:t>22/11/1446</a:t>
             </a:fld>
             <a:endParaRPr lang="ar-JO"/>
           </a:p>
@@ -690,7 +690,7 @@
           <a:p>
             <a:fld id="{620BF7EF-3469-4616-9127-3750DEE6AB4D}" type="datetimeFigureOut">
               <a:rPr lang="ar-JO" smtClean="0"/>
-              <a:t>28/10/1446</a:t>
+              <a:t>22/11/1446</a:t>
             </a:fld>
             <a:endParaRPr lang="ar-JO"/>
           </a:p>
@@ -890,7 +890,7 @@
           <a:p>
             <a:fld id="{620BF7EF-3469-4616-9127-3750DEE6AB4D}" type="datetimeFigureOut">
               <a:rPr lang="ar-JO" smtClean="0"/>
-              <a:t>28/10/1446</a:t>
+              <a:t>22/11/1446</a:t>
             </a:fld>
             <a:endParaRPr lang="ar-JO"/>
           </a:p>
@@ -1166,7 +1166,7 @@
           <a:p>
             <a:fld id="{620BF7EF-3469-4616-9127-3750DEE6AB4D}" type="datetimeFigureOut">
               <a:rPr lang="ar-JO" smtClean="0"/>
-              <a:t>28/10/1446</a:t>
+              <a:t>22/11/1446</a:t>
             </a:fld>
             <a:endParaRPr lang="ar-JO"/>
           </a:p>
@@ -1434,7 +1434,7 @@
           <a:p>
             <a:fld id="{620BF7EF-3469-4616-9127-3750DEE6AB4D}" type="datetimeFigureOut">
               <a:rPr lang="ar-JO" smtClean="0"/>
-              <a:t>28/10/1446</a:t>
+              <a:t>22/11/1446</a:t>
             </a:fld>
             <a:endParaRPr lang="ar-JO"/>
           </a:p>
@@ -1849,7 +1849,7 @@
           <a:p>
             <a:fld id="{620BF7EF-3469-4616-9127-3750DEE6AB4D}" type="datetimeFigureOut">
               <a:rPr lang="ar-JO" smtClean="0"/>
-              <a:t>28/10/1446</a:t>
+              <a:t>22/11/1446</a:t>
             </a:fld>
             <a:endParaRPr lang="ar-JO"/>
           </a:p>
@@ -1991,7 +1991,7 @@
           <a:p>
             <a:fld id="{620BF7EF-3469-4616-9127-3750DEE6AB4D}" type="datetimeFigureOut">
               <a:rPr lang="ar-JO" smtClean="0"/>
-              <a:t>28/10/1446</a:t>
+              <a:t>22/11/1446</a:t>
             </a:fld>
             <a:endParaRPr lang="ar-JO"/>
           </a:p>
@@ -2104,7 +2104,7 @@
           <a:p>
             <a:fld id="{620BF7EF-3469-4616-9127-3750DEE6AB4D}" type="datetimeFigureOut">
               <a:rPr lang="ar-JO" smtClean="0"/>
-              <a:t>28/10/1446</a:t>
+              <a:t>22/11/1446</a:t>
             </a:fld>
             <a:endParaRPr lang="ar-JO"/>
           </a:p>
@@ -2417,7 +2417,7 @@
           <a:p>
             <a:fld id="{620BF7EF-3469-4616-9127-3750DEE6AB4D}" type="datetimeFigureOut">
               <a:rPr lang="ar-JO" smtClean="0"/>
-              <a:t>28/10/1446</a:t>
+              <a:t>22/11/1446</a:t>
             </a:fld>
             <a:endParaRPr lang="ar-JO"/>
           </a:p>
@@ -2706,7 +2706,7 @@
           <a:p>
             <a:fld id="{620BF7EF-3469-4616-9127-3750DEE6AB4D}" type="datetimeFigureOut">
               <a:rPr lang="ar-JO" smtClean="0"/>
-              <a:t>28/10/1446</a:t>
+              <a:t>22/11/1446</a:t>
             </a:fld>
             <a:endParaRPr lang="ar-JO"/>
           </a:p>
@@ -2949,7 +2949,7 @@
           <a:p>
             <a:fld id="{620BF7EF-3469-4616-9127-3750DEE6AB4D}" type="datetimeFigureOut">
               <a:rPr lang="ar-JO" smtClean="0"/>
-              <a:t>28/10/1446</a:t>
+              <a:t>22/11/1446</a:t>
             </a:fld>
             <a:endParaRPr lang="ar-JO"/>
           </a:p>
@@ -9956,10 +9956,22 @@
           <a:p>
             <a:pPr algn="l"/>
             <a:r>
-              <a:rPr lang="en-US"/>
+              <a:rPr lang="en-US" dirty="0">
+                <a:solidFill>
+                  <a:schemeClr val="accent5">
+                    <a:lumMod val="75000"/>
+                  </a:schemeClr>
+                </a:solidFill>
+              </a:rPr>
               <a:t>Setting</a:t>
             </a:r>
-            <a:endParaRPr lang="ar-JO"/>
+            <a:endParaRPr lang="ar-JO" dirty="0">
+              <a:solidFill>
+                <a:schemeClr val="accent5">
+                  <a:lumMod val="75000"/>
+                </a:schemeClr>
+              </a:solidFill>
+            </a:endParaRPr>
           </a:p>
         </p:txBody>
       </p:sp>
